--- a/AD_presentation.pptx
+++ b/AD_presentation.pptx
@@ -5,7 +5,7 @@
     <p:sldMasterId id="2147484094" r:id="rId1"/>
   </p:sldMasterIdLst>
   <p:notesMasterIdLst>
-    <p:notesMasterId r:id="rId13"/>
+    <p:notesMasterId r:id="rId14"/>
   </p:notesMasterIdLst>
   <p:sldIdLst>
     <p:sldId id="256" r:id="rId2"/>
@@ -19,6 +19,7 @@
     <p:sldId id="266" r:id="rId10"/>
     <p:sldId id="263" r:id="rId11"/>
     <p:sldId id="264" r:id="rId12"/>
+    <p:sldId id="267" r:id="rId13"/>
   </p:sldIdLst>
   <p:sldSz cx="12192000" cy="6858000"/>
   <p:notesSz cx="6858000" cy="9144000"/>
@@ -4266,7 +4267,7 @@
           <a:lstStyle/>
           <a:p>
             <a:r>
-              <a:rPr lang="en-US" sz="1200" b="0" i="0" kern="1200" dirty="0">
+              <a:rPr lang="en-US" sz="2400" b="0" i="0" kern="1200" dirty="0">
                 <a:solidFill>
                   <a:schemeClr val="tx1"/>
                 </a:solidFill>
@@ -4279,7 +4280,111 @@
             </a:r>
           </a:p>
           <a:p>
-            <a:endParaRPr lang="ru-RU" dirty="0"/>
+            <a:r>
+              <a:rPr lang="en-US" sz="2400" b="1" i="0" kern="1200" dirty="0">
+                <a:solidFill>
+                  <a:schemeClr val="tx1"/>
+                </a:solidFill>
+                <a:effectLst/>
+                <a:latin typeface="+mn-lt"/>
+                <a:ea typeface="+mn-ea"/>
+                <a:cs typeface="+mn-cs"/>
+              </a:rPr>
+              <a:t>Getting out the predictions</a:t>
+            </a:r>
+            <a:r>
+              <a:rPr lang="en-US" sz="2400" b="0" i="0" kern="1200" dirty="0">
+                <a:solidFill>
+                  <a:schemeClr val="tx1"/>
+                </a:solidFill>
+                <a:effectLst/>
+                <a:latin typeface="+mn-lt"/>
+                <a:ea typeface="+mn-ea"/>
+                <a:cs typeface="+mn-cs"/>
+              </a:rPr>
+              <a:t> — This is a golden term in today's world and what most people consider when anyone quotes "Data Science" or "Machine Learning."</a:t>
+            </a:r>
+          </a:p>
+          <a:p>
+            <a:r>
+              <a:rPr lang="en-US" sz="2400" b="1" i="0" kern="1200" dirty="0">
+                <a:solidFill>
+                  <a:schemeClr val="tx1"/>
+                </a:solidFill>
+                <a:effectLst/>
+                <a:latin typeface="+mn-lt"/>
+                <a:ea typeface="+mn-ea"/>
+                <a:cs typeface="+mn-cs"/>
+              </a:rPr>
+              <a:t>Generating Recommendation</a:t>
+            </a:r>
+            <a:r>
+              <a:rPr lang="en-US" sz="2400" b="0" i="0" kern="1200" dirty="0">
+                <a:solidFill>
+                  <a:schemeClr val="tx1"/>
+                </a:solidFill>
+                <a:effectLst/>
+                <a:latin typeface="+mn-lt"/>
+                <a:ea typeface="+mn-ea"/>
+                <a:cs typeface="+mn-cs"/>
+              </a:rPr>
+              <a:t> — It is the art of suggesting "something" to people. The use cases are like recommending products as we notice in Amazon, suggesting movies as in Netflix or recommending articles to readers.</a:t>
+            </a:r>
+          </a:p>
+          <a:p>
+            <a:r>
+              <a:rPr lang="en-US" sz="2400" b="1" i="0" kern="1200" dirty="0">
+                <a:solidFill>
+                  <a:schemeClr val="tx1"/>
+                </a:solidFill>
+                <a:effectLst/>
+                <a:latin typeface="+mn-lt"/>
+                <a:ea typeface="+mn-ea"/>
+                <a:cs typeface="+mn-cs"/>
+              </a:rPr>
+              <a:t>Producing Insights </a:t>
+            </a:r>
+            <a:r>
+              <a:rPr lang="en-US" sz="2400" b="0" i="0" kern="1200" dirty="0">
+                <a:solidFill>
+                  <a:schemeClr val="tx1"/>
+                </a:solidFill>
+                <a:effectLst/>
+                <a:latin typeface="+mn-lt"/>
+                <a:ea typeface="+mn-ea"/>
+                <a:cs typeface="+mn-cs"/>
+              </a:rPr>
+              <a:t>— Another serviceable area of Data Science where it serves to uncover relationships and patterns in the data that are not so visible to the wide eyes.</a:t>
+            </a:r>
+          </a:p>
+          <a:p>
+            <a:r>
+              <a:rPr lang="en-US" sz="2400" b="1" i="0" kern="1200" dirty="0">
+                <a:solidFill>
+                  <a:schemeClr val="tx1"/>
+                </a:solidFill>
+                <a:effectLst/>
+                <a:latin typeface="+mn-lt"/>
+                <a:ea typeface="+mn-ea"/>
+                <a:cs typeface="+mn-cs"/>
+              </a:rPr>
+              <a:t>Detecting Anomalies </a:t>
+            </a:r>
+            <a:r>
+              <a:rPr lang="en-US" sz="2400" b="0" i="0" kern="1200" dirty="0">
+                <a:solidFill>
+                  <a:schemeClr val="tx1"/>
+                </a:solidFill>
+                <a:effectLst/>
+                <a:latin typeface="+mn-lt"/>
+                <a:ea typeface="+mn-ea"/>
+                <a:cs typeface="+mn-cs"/>
+              </a:rPr>
+              <a:t>— It is the method to find out scenarios that are unexpected and are rare events. With the rising demand of connected systems, better security monitoring for smart cities, Server monitoring and agile fraud detections, it has become imperative to detect the anomalies as and when they occur.</a:t>
+            </a:r>
+          </a:p>
+          <a:p>
+            <a:endParaRPr lang="ru-RU" sz="2400" dirty="0"/>
           </a:p>
         </p:txBody>
       </p:sp>
@@ -4521,6 +4626,197 @@
     <p:extLst>
       <p:ext uri="{BB962C8B-B14F-4D97-AF65-F5344CB8AC3E}">
         <p14:creationId xmlns:p14="http://schemas.microsoft.com/office/powerpoint/2010/main" val="39212449"/>
+      </p:ext>
+    </p:extLst>
+  </p:cSld>
+  <p:clrMapOvr>
+    <a:masterClrMapping/>
+  </p:clrMapOvr>
+</p:notes>
+</file>
+
+<file path=ppt/notesSlides/notesSlide5.xml><?xml version="1.0" encoding="utf-8"?>
+<p:notes xmlns:a="http://schemas.openxmlformats.org/drawingml/2006/main" xmlns:r="http://schemas.openxmlformats.org/officeDocument/2006/relationships" xmlns:p="http://schemas.openxmlformats.org/presentationml/2006/main">
+  <p:cSld>
+    <p:spTree>
+      <p:nvGrpSpPr>
+        <p:cNvPr id="1" name=""/>
+        <p:cNvGrpSpPr/>
+        <p:nvPr/>
+      </p:nvGrpSpPr>
+      <p:grpSpPr>
+        <a:xfrm>
+          <a:off x="0" y="0"/>
+          <a:ext cx="0" cy="0"/>
+          <a:chOff x="0" y="0"/>
+          <a:chExt cx="0" cy="0"/>
+        </a:xfrm>
+      </p:grpSpPr>
+      <p:sp>
+        <p:nvSpPr>
+          <p:cNvPr id="2" name="Slide Image Placeholder 1"/>
+          <p:cNvSpPr>
+            <a:spLocks noGrp="1" noRot="1" noChangeAspect="1"/>
+          </p:cNvSpPr>
+          <p:nvPr>
+            <p:ph type="sldImg"/>
+          </p:nvPr>
+        </p:nvSpPr>
+        <p:spPr/>
+      </p:sp>
+      <p:sp>
+        <p:nvSpPr>
+          <p:cNvPr id="3" name="Notes Placeholder 2"/>
+          <p:cNvSpPr>
+            <a:spLocks noGrp="1"/>
+          </p:cNvSpPr>
+          <p:nvPr>
+            <p:ph type="body" idx="1"/>
+          </p:nvPr>
+        </p:nvSpPr>
+        <p:spPr/>
+        <p:txBody>
+          <a:bodyPr/>
+          <a:lstStyle/>
+          <a:p>
+            <a:endParaRPr lang="ru-RU" dirty="0"/>
+          </a:p>
+        </p:txBody>
+      </p:sp>
+      <p:sp>
+        <p:nvSpPr>
+          <p:cNvPr id="4" name="Slide Number Placeholder 3"/>
+          <p:cNvSpPr>
+            <a:spLocks noGrp="1"/>
+          </p:cNvSpPr>
+          <p:nvPr>
+            <p:ph type="sldNum" sz="quarter" idx="5"/>
+          </p:nvPr>
+        </p:nvSpPr>
+        <p:spPr/>
+        <p:txBody>
+          <a:bodyPr/>
+          <a:lstStyle/>
+          <a:p>
+            <a:fld id="{D725E6DE-BA72-8E49-B320-F4DE70F2FDF5}" type="slidenum">
+              <a:rPr lang="en-US" smtClean="0"/>
+              <a:t>7</a:t>
+            </a:fld>
+            <a:endParaRPr lang="en-US"/>
+          </a:p>
+        </p:txBody>
+      </p:sp>
+    </p:spTree>
+    <p:extLst>
+      <p:ext uri="{BB962C8B-B14F-4D97-AF65-F5344CB8AC3E}">
+        <p14:creationId xmlns:p14="http://schemas.microsoft.com/office/powerpoint/2010/main" val="2786689086"/>
+      </p:ext>
+    </p:extLst>
+  </p:cSld>
+  <p:clrMapOvr>
+    <a:masterClrMapping/>
+  </p:clrMapOvr>
+</p:notes>
+</file>
+
+<file path=ppt/notesSlides/notesSlide6.xml><?xml version="1.0" encoding="utf-8"?>
+<p:notes xmlns:a="http://schemas.openxmlformats.org/drawingml/2006/main" xmlns:r="http://schemas.openxmlformats.org/officeDocument/2006/relationships" xmlns:p="http://schemas.openxmlformats.org/presentationml/2006/main">
+  <p:cSld>
+    <p:spTree>
+      <p:nvGrpSpPr>
+        <p:cNvPr id="1" name=""/>
+        <p:cNvGrpSpPr/>
+        <p:nvPr/>
+      </p:nvGrpSpPr>
+      <p:grpSpPr>
+        <a:xfrm>
+          <a:off x="0" y="0"/>
+          <a:ext cx="0" cy="0"/>
+          <a:chOff x="0" y="0"/>
+          <a:chExt cx="0" cy="0"/>
+        </a:xfrm>
+      </p:grpSpPr>
+      <p:sp>
+        <p:nvSpPr>
+          <p:cNvPr id="2" name="Slide Image Placeholder 1"/>
+          <p:cNvSpPr>
+            <a:spLocks noGrp="1" noRot="1" noChangeAspect="1"/>
+          </p:cNvSpPr>
+          <p:nvPr>
+            <p:ph type="sldImg"/>
+          </p:nvPr>
+        </p:nvSpPr>
+        <p:spPr/>
+      </p:sp>
+      <p:sp>
+        <p:nvSpPr>
+          <p:cNvPr id="3" name="Notes Placeholder 2"/>
+          <p:cNvSpPr>
+            <a:spLocks noGrp="1"/>
+          </p:cNvSpPr>
+          <p:nvPr>
+            <p:ph type="body" idx="1"/>
+          </p:nvPr>
+        </p:nvSpPr>
+        <p:spPr/>
+        <p:txBody>
+          <a:bodyPr/>
+          <a:lstStyle/>
+          <a:p>
+            <a:pPr marL="0" marR="0" lvl="0" indent="0" algn="l" defTabSz="914400" rtl="0" eaLnBrk="1" fontAlgn="auto" latinLnBrk="0" hangingPunct="1">
+              <a:lnSpc>
+                <a:spcPct val="100000"/>
+              </a:lnSpc>
+              <a:spcBef>
+                <a:spcPts val="0"/>
+              </a:spcBef>
+              <a:spcAft>
+                <a:spcPts val="0"/>
+              </a:spcAft>
+              <a:buClrTx/>
+              <a:buSzTx/>
+              <a:buFontTx/>
+              <a:buNone/>
+              <a:tabLst/>
+              <a:defRPr/>
+            </a:pPr>
+            <a:r>
+              <a:rPr lang="en-US" dirty="0"/>
+              <a:t>Deep learning based anomaly detection is still active research, and a possible future work would be to extend and update this survey as more sophisticated techniques are proposed</a:t>
+            </a:r>
+          </a:p>
+          <a:p>
+            <a:endParaRPr lang="ru-RU" dirty="0"/>
+          </a:p>
+        </p:txBody>
+      </p:sp>
+      <p:sp>
+        <p:nvSpPr>
+          <p:cNvPr id="4" name="Slide Number Placeholder 3"/>
+          <p:cNvSpPr>
+            <a:spLocks noGrp="1"/>
+          </p:cNvSpPr>
+          <p:nvPr>
+            <p:ph type="sldNum" sz="quarter" idx="5"/>
+          </p:nvPr>
+        </p:nvSpPr>
+        <p:spPr/>
+        <p:txBody>
+          <a:bodyPr/>
+          <a:lstStyle/>
+          <a:p>
+            <a:fld id="{D725E6DE-BA72-8E49-B320-F4DE70F2FDF5}" type="slidenum">
+              <a:rPr lang="en-US" smtClean="0"/>
+              <a:t>10</a:t>
+            </a:fld>
+            <a:endParaRPr lang="en-US"/>
+          </a:p>
+        </p:txBody>
+      </p:sp>
+    </p:spTree>
+    <p:extLst>
+      <p:ext uri="{BB962C8B-B14F-4D97-AF65-F5344CB8AC3E}">
+        <p14:creationId xmlns:p14="http://schemas.microsoft.com/office/powerpoint/2010/main" val="1898463074"/>
       </p:ext>
     </p:extLst>
   </p:cSld>
@@ -12328,14 +12624,39 @@
             <p:ph idx="1"/>
           </p:nvPr>
         </p:nvSpPr>
-        <p:spPr/>
-        <p:txBody>
-          <a:bodyPr anchor="ctr"/>
+        <p:spPr>
+          <a:xfrm>
+            <a:off x="680321" y="2336873"/>
+            <a:ext cx="9613861" cy="3599316"/>
+          </a:xfrm>
+        </p:spPr>
+        <p:txBody>
+          <a:bodyPr anchor="ctr">
+            <a:noAutofit/>
+          </a:bodyPr>
           <a:lstStyle/>
           <a:p>
             <a:r>
-              <a:rPr lang="en-US" dirty="0"/>
+              <a:rPr lang="en-US" sz="2600" dirty="0"/>
               <a:t>Deep learning models preform better than traditional machine learning models in terms of accuracy and F1 score </a:t>
+            </a:r>
+          </a:p>
+          <a:p>
+            <a:r>
+              <a:rPr lang="en-US" sz="2600" dirty="0"/>
+              <a:t>AD problem is domain specific and each domain has its own metric for performance </a:t>
+            </a:r>
+          </a:p>
+          <a:p>
+            <a:r>
+              <a:rPr lang="en-US" sz="2600" dirty="0"/>
+              <a:t>Deep learning based anomaly detection is still active research</a:t>
+            </a:r>
+          </a:p>
+          <a:p>
+            <a:r>
+              <a:rPr lang="en-US" sz="2600" dirty="0"/>
+              <a:t>Autoencoders are simple and effective architectures for anomaly detection</a:t>
             </a:r>
           </a:p>
         </p:txBody>
@@ -12427,23 +12748,27 @@
         </p:nvSpPr>
         <p:spPr/>
         <p:txBody>
-          <a:bodyPr/>
+          <a:bodyPr anchor="ctr">
+            <a:normAutofit/>
+          </a:bodyPr>
           <a:lstStyle/>
           <a:p>
             <a:r>
-              <a:rPr lang="en-US" u="sng" dirty="0">
+              <a:rPr lang="en-US" dirty="0">
                 <a:hlinkClick r:id="rId2"/>
               </a:rPr>
-              <a:t>https://towardsdatascience.com/how-to-use-machine-learning-for-anomaly-detection-and-condition-monitoring-6742f82900d7</a:t>
-            </a:r>
-            <a:endParaRPr lang="en-US" dirty="0"/>
+              <a:t>Fundamentals of Anomaly Detection</a:t>
+            </a:r>
+            <a:endParaRPr lang="en-US" dirty="0">
+              <a:hlinkClick r:id="rId3"/>
+            </a:endParaRPr>
           </a:p>
           <a:p>
             <a:r>
               <a:rPr lang="en-US" dirty="0">
                 <a:hlinkClick r:id="rId3"/>
               </a:rPr>
-              <a:t>https://arxiv.org/pdf/1901.03407.pdf</a:t>
+              <a:t>Generative Adversarial Nets </a:t>
             </a:r>
             <a:endParaRPr lang="en-US" dirty="0"/>
           </a:p>
@@ -12452,11 +12777,35 @@
               <a:rPr lang="en-US" dirty="0">
                 <a:hlinkClick r:id="rId4"/>
               </a:rPr>
-              <a:t>http://papers.nips.cc/paper/5423-generative-adversarial-nets.pdf</a:t>
+              <a:t>Anomaly Detection : A Survey </a:t>
             </a:r>
             <a:endParaRPr lang="en-US" dirty="0"/>
           </a:p>
           <a:p>
+            <a:r>
+              <a:rPr lang="en-US" dirty="0">
+                <a:hlinkClick r:id="rId5"/>
+              </a:rPr>
+              <a:t>Deep Learning For Anomaly Detection</a:t>
+            </a:r>
+            <a:endParaRPr lang="en-US" dirty="0"/>
+          </a:p>
+          <a:p>
+            <a:r>
+              <a:rPr lang="en-US" dirty="0">
+                <a:hlinkClick r:id="rId6"/>
+              </a:rPr>
+              <a:t>How to use machine learning for anomaly detection and condition monitoring</a:t>
+            </a:r>
+            <a:endParaRPr lang="en-US" dirty="0"/>
+          </a:p>
+          <a:p>
+            <a:r>
+              <a:rPr lang="en-US" dirty="0">
+                <a:hlinkClick r:id="rId7"/>
+              </a:rPr>
+              <a:t>One-class SVM</a:t>
+            </a:r>
             <a:endParaRPr lang="en-US" dirty="0"/>
           </a:p>
         </p:txBody>
@@ -12488,6 +12837,169 @@
     <p:extLst>
       <p:ext uri="{BB962C8B-B14F-4D97-AF65-F5344CB8AC3E}">
         <p14:creationId xmlns:p14="http://schemas.microsoft.com/office/powerpoint/2010/main" val="1178709067"/>
+      </p:ext>
+    </p:extLst>
+  </p:cSld>
+  <p:clrMapOvr>
+    <a:masterClrMapping/>
+  </p:clrMapOvr>
+</p:sld>
+</file>
+
+<file path=ppt/slides/slide12.xml><?xml version="1.0" encoding="utf-8"?>
+<p:sld xmlns:a="http://schemas.openxmlformats.org/drawingml/2006/main" xmlns:r="http://schemas.openxmlformats.org/officeDocument/2006/relationships" xmlns:p="http://schemas.openxmlformats.org/presentationml/2006/main">
+  <p:cSld>
+    <p:spTree>
+      <p:nvGrpSpPr>
+        <p:cNvPr id="1" name=""/>
+        <p:cNvGrpSpPr/>
+        <p:nvPr/>
+      </p:nvGrpSpPr>
+      <p:grpSpPr>
+        <a:xfrm>
+          <a:off x="0" y="0"/>
+          <a:ext cx="0" cy="0"/>
+          <a:chOff x="0" y="0"/>
+          <a:chExt cx="0" cy="0"/>
+        </a:xfrm>
+      </p:grpSpPr>
+      <p:sp>
+        <p:nvSpPr>
+          <p:cNvPr id="4" name="Slide Number Placeholder 3">
+            <a:extLst>
+              <a:ext uri="{FF2B5EF4-FFF2-40B4-BE49-F238E27FC236}">
+                <a16:creationId xmlns:a16="http://schemas.microsoft.com/office/drawing/2014/main" id="{A6FA292A-8533-0D41-BEDC-20EE3B929CF4}"/>
+              </a:ext>
+            </a:extLst>
+          </p:cNvPr>
+          <p:cNvSpPr>
+            <a:spLocks noGrp="1"/>
+          </p:cNvSpPr>
+          <p:nvPr>
+            <p:ph type="sldNum" sz="quarter" idx="12"/>
+          </p:nvPr>
+        </p:nvSpPr>
+        <p:spPr/>
+        <p:txBody>
+          <a:bodyPr/>
+          <a:lstStyle/>
+          <a:p>
+            <a:fld id="{3CE2BE82-F690-0B4B-8193-E95039B06779}" type="slidenum">
+              <a:rPr lang="en-US" smtClean="0"/>
+              <a:t>12</a:t>
+            </a:fld>
+            <a:endParaRPr lang="en-US"/>
+          </a:p>
+        </p:txBody>
+      </p:sp>
+      <p:sp>
+        <p:nvSpPr>
+          <p:cNvPr id="6" name="Rectangle 5">
+            <a:extLst>
+              <a:ext uri="{FF2B5EF4-FFF2-40B4-BE49-F238E27FC236}">
+                <a16:creationId xmlns:a16="http://schemas.microsoft.com/office/drawing/2014/main" id="{763811D9-3635-CB41-868C-9972C9C13E70}"/>
+              </a:ext>
+            </a:extLst>
+          </p:cNvPr>
+          <p:cNvSpPr/>
+          <p:nvPr/>
+        </p:nvSpPr>
+        <p:spPr>
+          <a:xfrm>
+            <a:off x="2986671" y="1611059"/>
+            <a:ext cx="5081840" cy="3416320"/>
+          </a:xfrm>
+          <a:prstGeom prst="rect">
+            <a:avLst/>
+          </a:prstGeom>
+          <a:noFill/>
+        </p:spPr>
+        <p:txBody>
+          <a:bodyPr wrap="none" lIns="91440" tIns="45720" rIns="91440" bIns="45720">
+            <a:spAutoFit/>
+          </a:bodyPr>
+          <a:lstStyle/>
+          <a:p>
+            <a:pPr algn="ctr"/>
+            <a:r>
+              <a:rPr lang="en-US" sz="7200" b="1" spc="50" dirty="0">
+                <a:ln w="9525" cmpd="sng">
+                  <a:solidFill>
+                    <a:schemeClr val="accent1"/>
+                  </a:solidFill>
+                  <a:prstDash val="solid"/>
+                </a:ln>
+                <a:solidFill>
+                  <a:srgbClr val="70AD47">
+                    <a:tint val="1000"/>
+                  </a:srgbClr>
+                </a:solidFill>
+                <a:effectLst>
+                  <a:glow rad="38100">
+                    <a:schemeClr val="accent1">
+                      <a:alpha val="40000"/>
+                    </a:schemeClr>
+                  </a:glow>
+                </a:effectLst>
+              </a:rPr>
+              <a:t>Thank you!</a:t>
+            </a:r>
+          </a:p>
+          <a:p>
+            <a:pPr algn="ctr"/>
+            <a:endParaRPr lang="en-US" sz="7200" b="1" spc="50" dirty="0">
+              <a:ln w="9525" cmpd="sng">
+                <a:solidFill>
+                  <a:schemeClr val="accent1"/>
+                </a:solidFill>
+                <a:prstDash val="solid"/>
+              </a:ln>
+              <a:solidFill>
+                <a:srgbClr val="70AD47">
+                  <a:tint val="1000"/>
+                </a:srgbClr>
+              </a:solidFill>
+              <a:effectLst>
+                <a:glow rad="38100">
+                  <a:schemeClr val="accent1">
+                    <a:alpha val="40000"/>
+                  </a:schemeClr>
+                </a:glow>
+              </a:effectLst>
+            </a:endParaRPr>
+          </a:p>
+          <a:p>
+            <a:pPr algn="ctr"/>
+            <a:r>
+              <a:rPr lang="en-US" sz="7200" b="1" spc="50" dirty="0">
+                <a:ln w="9525" cmpd="sng">
+                  <a:solidFill>
+                    <a:schemeClr val="accent1"/>
+                  </a:solidFill>
+                  <a:prstDash val="solid"/>
+                </a:ln>
+                <a:solidFill>
+                  <a:srgbClr val="70AD47">
+                    <a:tint val="1000"/>
+                  </a:srgbClr>
+                </a:solidFill>
+                <a:effectLst>
+                  <a:glow rad="38100">
+                    <a:schemeClr val="accent1">
+                      <a:alpha val="40000"/>
+                    </a:schemeClr>
+                  </a:glow>
+                </a:effectLst>
+              </a:rPr>
+              <a:t>Q&amp;A</a:t>
+            </a:r>
+          </a:p>
+        </p:txBody>
+      </p:sp>
+    </p:spTree>
+    <p:extLst>
+      <p:ext uri="{BB962C8B-B14F-4D97-AF65-F5344CB8AC3E}">
+        <p14:creationId xmlns:p14="http://schemas.microsoft.com/office/powerpoint/2010/main" val="4128651018"/>
       </p:ext>
     </p:extLst>
   </p:cSld>
@@ -12949,37 +13461,37 @@
           <a:lstStyle/>
           <a:p>
             <a:r>
-              <a:rPr lang="en-US" dirty="0"/>
+              <a:rPr lang="en-US" sz="2800" dirty="0"/>
               <a:t>KDD-99</a:t>
             </a:r>
           </a:p>
           <a:p>
             <a:pPr lvl="1"/>
             <a:r>
-              <a:rPr lang="en-US" dirty="0"/>
+              <a:rPr lang="en-US" sz="2200" dirty="0"/>
               <a:t>Dataset used for Third International Knowledge Discovery and Data Mining Tools Competition</a:t>
             </a:r>
           </a:p>
           <a:p>
             <a:pPr lvl="1"/>
             <a:r>
-              <a:rPr lang="en-US" dirty="0"/>
+              <a:rPr lang="en-US" sz="2200" dirty="0"/>
               <a:t>1.3M X 122 samples (</a:t>
             </a:r>
             <a:r>
-              <a:rPr lang="ru-RU" dirty="0"/>
+              <a:rPr lang="ru-RU" sz="2200" dirty="0"/>
               <a:t>37</a:t>
             </a:r>
             <a:r>
-              <a:rPr lang="en-US" dirty="0"/>
+              <a:rPr lang="en-US" sz="2200" dirty="0"/>
               <a:t>3 000 </a:t>
             </a:r>
             <a:r>
-              <a:rPr lang="en-US" dirty="0" err="1"/>
+              <a:rPr lang="en-US" sz="2200" dirty="0" err="1"/>
               <a:t>anomal</a:t>
             </a:r>
             <a:r>
-              <a:rPr lang="en-US" dirty="0"/>
+              <a:rPr lang="en-US" sz="2200" dirty="0"/>
               <a:t> and 972 000 normal) </a:t>
             </a:r>
           </a:p>
@@ -12990,20 +13502,24 @@
           <a:p>
             <a:r>
               <a:rPr lang="en-US" dirty="0"/>
-              <a:t> CIFAR-10</a:t>
+              <a:t> </a:t>
+            </a:r>
+            <a:r>
+              <a:rPr lang="en-US" sz="2800" dirty="0"/>
+              <a:t>CIFAR-10</a:t>
             </a:r>
           </a:p>
           <a:p>
             <a:pPr lvl="1"/>
             <a:r>
-              <a:rPr lang="en-US" dirty="0"/>
+              <a:rPr lang="en-US" sz="2200" dirty="0"/>
               <a:t>Computer-vision dataset used for object recognition</a:t>
             </a:r>
           </a:p>
           <a:p>
             <a:pPr lvl="1"/>
             <a:r>
-              <a:rPr lang="en-US" dirty="0"/>
+              <a:rPr lang="en-US" sz="2200" dirty="0"/>
               <a:t>60 000 color images (32 X 32 X 3). 10 classes</a:t>
             </a:r>
           </a:p>
@@ -13114,15 +13630,17 @@
         </p:nvSpPr>
         <p:spPr/>
         <p:txBody>
-          <a:bodyPr/>
+          <a:bodyPr>
+            <a:normAutofit/>
+          </a:bodyPr>
           <a:lstStyle/>
           <a:p>
             <a:pPr algn="ctr"/>
             <a:r>
-              <a:rPr lang="en-US" dirty="0"/>
+              <a:rPr lang="en-US" sz="2800" dirty="0"/>
               <a:t>KDD-99</a:t>
             </a:r>
-            <a:endParaRPr lang="ru-RU" dirty="0"/>
+            <a:endParaRPr lang="ru-RU" sz="2800" dirty="0"/>
           </a:p>
         </p:txBody>
       </p:sp>
@@ -13149,30 +13667,26 @@
           </a:xfrm>
         </p:spPr>
         <p:txBody>
-          <a:bodyPr anchor="ctr"/>
+          <a:bodyPr anchor="ctr">
+            <a:normAutofit/>
+          </a:bodyPr>
           <a:lstStyle/>
           <a:p>
             <a:r>
-              <a:rPr lang="en-US" dirty="0"/>
+              <a:rPr lang="en-US" sz="2800" dirty="0"/>
               <a:t>Hybrid One-class SVM</a:t>
             </a:r>
           </a:p>
           <a:p>
             <a:r>
-              <a:rPr lang="en-US" dirty="0"/>
+              <a:rPr lang="en-US" sz="2800" dirty="0"/>
               <a:t>Isolation Forest</a:t>
             </a:r>
           </a:p>
           <a:p>
             <a:r>
-              <a:rPr lang="en-US" dirty="0"/>
+              <a:rPr lang="en-US" sz="2800" dirty="0"/>
               <a:t>Auto-encoder</a:t>
-            </a:r>
-          </a:p>
-          <a:p>
-            <a:r>
-              <a:rPr lang="en-US" dirty="0"/>
-              <a:t>0ne-Class Neural Network</a:t>
             </a:r>
           </a:p>
         </p:txBody>
@@ -13200,15 +13714,17 @@
           </a:xfrm>
         </p:spPr>
         <p:txBody>
-          <a:bodyPr/>
+          <a:bodyPr>
+            <a:normAutofit/>
+          </a:bodyPr>
           <a:lstStyle/>
           <a:p>
             <a:pPr algn="ctr"/>
             <a:r>
-              <a:rPr lang="en-US" dirty="0"/>
+              <a:rPr lang="en-US" sz="2800" dirty="0"/>
               <a:t>Cifar-10</a:t>
             </a:r>
-            <a:endParaRPr lang="ru-RU" dirty="0"/>
+            <a:endParaRPr lang="ru-RU" sz="2800" dirty="0"/>
           </a:p>
         </p:txBody>
       </p:sp>
@@ -13235,17 +13751,19 @@
           </a:xfrm>
         </p:spPr>
         <p:txBody>
-          <a:bodyPr anchor="ctr"/>
+          <a:bodyPr anchor="ctr">
+            <a:normAutofit/>
+          </a:bodyPr>
           <a:lstStyle/>
           <a:p>
             <a:r>
-              <a:rPr lang="en-US" dirty="0"/>
+              <a:rPr lang="en-US" sz="2800" dirty="0"/>
               <a:t>CNN Auto-encoder</a:t>
             </a:r>
           </a:p>
           <a:p>
             <a:r>
-              <a:rPr lang="en-US" dirty="0"/>
+              <a:rPr lang="en-US" sz="2800" dirty="0"/>
               <a:t>Bidirectional GAN</a:t>
             </a:r>
           </a:p>
@@ -13321,7 +13839,7 @@
           <a:p>
             <a:r>
               <a:rPr lang="en-US" dirty="0"/>
-              <a:t>Results</a:t>
+              <a:t>Results &amp; Findings (KDD-99) </a:t>
             </a:r>
           </a:p>
         </p:txBody>
@@ -13365,13 +13883,13 @@
             <p:ph idx="1"/>
             <p:extLst>
               <p:ext uri="{D42A27DB-BD31-4B8C-83A1-F6EECF244321}">
-                <p14:modId xmlns:p14="http://schemas.microsoft.com/office/powerpoint/2010/main" val="1287675530"/>
+                <p14:modId xmlns:p14="http://schemas.microsoft.com/office/powerpoint/2010/main" val="3106336189"/>
               </p:ext>
             </p:extLst>
           </p:nvPr>
         </p:nvGraphicFramePr>
         <p:xfrm>
-          <a:off x="671092" y="2301380"/>
+          <a:off x="680321" y="2770932"/>
           <a:ext cx="10967037" cy="1955199"/>
         </p:xfrm>
         <a:graphic>
@@ -13428,7 +13946,7 @@
                         <a:rPr lang="en-US" dirty="0">
                           <a:effectLst/>
                         </a:rPr>
-                        <a:t>KDD-99 Model </a:t>
+                        <a:t>Model </a:t>
                       </a:r>
                     </a:p>
                   </a:txBody>
@@ -13512,7 +14030,7 @@
                     <a:p>
                       <a:pPr algn="ctr"/>
                       <a:r>
-                        <a:rPr lang="en-US">
+                        <a:rPr lang="en-US" dirty="0">
                           <a:effectLst/>
                         </a:rPr>
                         <a:t>One-Class SVM</a:t>
@@ -13528,7 +14046,7 @@
                     <a:p>
                       <a:pPr algn="ctr"/>
                       <a:r>
-                        <a:rPr lang="ru-RU">
+                        <a:rPr lang="ru-RU" dirty="0">
                           <a:effectLst/>
                         </a:rPr>
                         <a:t>0.9913</a:t>
@@ -13544,7 +14062,7 @@
                     <a:p>
                       <a:pPr algn="ctr"/>
                       <a:r>
-                        <a:rPr lang="ru-RU">
+                        <a:rPr lang="ru-RU" dirty="0">
                           <a:effectLst/>
                         </a:rPr>
                         <a:t>0.9874</a:t>
@@ -13599,7 +14117,7 @@
                     <a:p>
                       <a:pPr algn="ctr"/>
                       <a:r>
-                        <a:rPr lang="en-US">
+                        <a:rPr lang="en-US" dirty="0">
                           <a:effectLst/>
                         </a:rPr>
                         <a:t>Isolation Forest </a:t>
@@ -13812,7 +14330,7 @@
                     <a:p>
                       <a:pPr algn="ctr"/>
                       <a:r>
-                        <a:rPr lang="en-US" b="1">
+                        <a:rPr lang="en-US" b="1" dirty="0">
                           <a:solidFill>
                             <a:schemeClr val="accent3">
                               <a:lumMod val="75000"/>
@@ -13857,28 +14375,154 @@
           </a:graphicData>
         </a:graphic>
       </p:graphicFrame>
+      <p:sp>
+        <p:nvSpPr>
+          <p:cNvPr id="11" name="TextBox 10">
+            <a:extLst>
+              <a:ext uri="{FF2B5EF4-FFF2-40B4-BE49-F238E27FC236}">
+                <a16:creationId xmlns:a16="http://schemas.microsoft.com/office/drawing/2014/main" id="{5B79E398-9E4A-AE46-9B29-5625BB80F235}"/>
+              </a:ext>
+            </a:extLst>
+          </p:cNvPr>
+          <p:cNvSpPr txBox="1"/>
+          <p:nvPr/>
+        </p:nvSpPr>
+        <p:spPr>
+          <a:xfrm>
+            <a:off x="680321" y="4947866"/>
+            <a:ext cx="3781168" cy="646331"/>
+          </a:xfrm>
+          <a:prstGeom prst="rect">
+            <a:avLst/>
+          </a:prstGeom>
+          <a:noFill/>
+        </p:spPr>
+        <p:txBody>
+          <a:bodyPr wrap="square" rtlCol="0">
+            <a:spAutoFit/>
+          </a:bodyPr>
+          <a:lstStyle/>
+          <a:p>
+            <a:pPr marL="285750" indent="-285750">
+              <a:buFont typeface="Arial" panose="020B0604020202020204" pitchFamily="34" charset="0"/>
+              <a:buChar char="•"/>
+            </a:pPr>
+            <a:r>
+              <a:rPr lang="en-US" dirty="0"/>
+              <a:t>Train samples : 700 000</a:t>
+            </a:r>
+          </a:p>
+          <a:p>
+            <a:pPr marL="285750" indent="-285750">
+              <a:buFont typeface="Arial" panose="020B0604020202020204" pitchFamily="34" charset="0"/>
+              <a:buChar char="•"/>
+            </a:pPr>
+            <a:r>
+              <a:rPr lang="en-US" dirty="0"/>
+              <a:t>Test samples : 500 000</a:t>
+            </a:r>
+            <a:endParaRPr lang="ru-RU" dirty="0"/>
+          </a:p>
+        </p:txBody>
+      </p:sp>
+    </p:spTree>
+    <p:extLst>
+      <p:ext uri="{BB962C8B-B14F-4D97-AF65-F5344CB8AC3E}">
+        <p14:creationId xmlns:p14="http://schemas.microsoft.com/office/powerpoint/2010/main" val="507751498"/>
+      </p:ext>
+    </p:extLst>
+  </p:cSld>
+  <p:clrMapOvr>
+    <a:masterClrMapping/>
+  </p:clrMapOvr>
+</p:sld>
+</file>
+
+<file path=ppt/slides/slide8.xml><?xml version="1.0" encoding="utf-8"?>
+<p:sld xmlns:a="http://schemas.openxmlformats.org/drawingml/2006/main" xmlns:r="http://schemas.openxmlformats.org/officeDocument/2006/relationships" xmlns:p="http://schemas.openxmlformats.org/presentationml/2006/main">
+  <p:cSld>
+    <p:spTree>
+      <p:nvGrpSpPr>
+        <p:cNvPr id="1" name=""/>
+        <p:cNvGrpSpPr/>
+        <p:nvPr/>
+      </p:nvGrpSpPr>
+      <p:grpSpPr>
+        <a:xfrm>
+          <a:off x="0" y="0"/>
+          <a:ext cx="0" cy="0"/>
+          <a:chOff x="0" y="0"/>
+          <a:chExt cx="0" cy="0"/>
+        </a:xfrm>
+      </p:grpSpPr>
+      <p:sp>
+        <p:nvSpPr>
+          <p:cNvPr id="2" name="Title 1"/>
+          <p:cNvSpPr>
+            <a:spLocks noGrp="1"/>
+          </p:cNvSpPr>
+          <p:nvPr>
+            <p:ph type="title"/>
+          </p:nvPr>
+        </p:nvSpPr>
+        <p:spPr/>
+        <p:txBody>
+          <a:bodyPr/>
+          <a:lstStyle/>
+          <a:p>
+            <a:r>
+              <a:rPr lang="en-US" dirty="0"/>
+              <a:t>Results &amp; Findings (CIFAR-10)</a:t>
+            </a:r>
+          </a:p>
+        </p:txBody>
+      </p:sp>
+      <p:sp>
+        <p:nvSpPr>
+          <p:cNvPr id="4" name="Slide Number Placeholder 3"/>
+          <p:cNvSpPr>
+            <a:spLocks noGrp="1"/>
+          </p:cNvSpPr>
+          <p:nvPr>
+            <p:ph type="sldNum" sz="quarter" idx="12"/>
+          </p:nvPr>
+        </p:nvSpPr>
+        <p:spPr/>
+        <p:txBody>
+          <a:bodyPr/>
+          <a:lstStyle/>
+          <a:p>
+            <a:fld id="{3CE2BE82-F690-0B4B-8193-E95039B06779}" type="slidenum">
+              <a:rPr lang="en-US" smtClean="0"/>
+              <a:t>8</a:t>
+            </a:fld>
+            <a:endParaRPr lang="en-US"/>
+          </a:p>
+        </p:txBody>
+      </p:sp>
       <p:graphicFrame>
         <p:nvGraphicFramePr>
-          <p:cNvPr id="9" name="Content Placeholder 7">
+          <p:cNvPr id="10" name="Content Placeholder 7">
             <a:extLst>
               <a:ext uri="{FF2B5EF4-FFF2-40B4-BE49-F238E27FC236}">
-                <a16:creationId xmlns:a16="http://schemas.microsoft.com/office/drawing/2014/main" id="{5A58BA0B-CE5A-524F-B478-BE93FCA368A1}"/>
+                <a16:creationId xmlns:a16="http://schemas.microsoft.com/office/drawing/2014/main" id="{287C7103-75CD-D041-B10A-65889938E0C3}"/>
               </a:ext>
             </a:extLst>
           </p:cNvPr>
           <p:cNvGraphicFramePr>
-            <a:graphicFrameLocks/>
+            <a:graphicFrameLocks noGrp="1"/>
           </p:cNvGraphicFramePr>
           <p:nvPr>
+            <p:ph idx="1"/>
             <p:extLst>
               <p:ext uri="{D42A27DB-BD31-4B8C-83A1-F6EECF244321}">
-                <p14:modId xmlns:p14="http://schemas.microsoft.com/office/powerpoint/2010/main" val="810119598"/>
+                <p14:modId xmlns:p14="http://schemas.microsoft.com/office/powerpoint/2010/main" val="346860460"/>
               </p:ext>
             </p:extLst>
           </p:nvPr>
         </p:nvGraphicFramePr>
         <p:xfrm>
-          <a:off x="671093" y="4843362"/>
+          <a:off x="680321" y="2993358"/>
           <a:ext cx="10967037" cy="1441647"/>
         </p:xfrm>
         <a:graphic>
@@ -13935,7 +14579,23 @@
                         <a:rPr lang="en-US" dirty="0">
                           <a:effectLst/>
                         </a:rPr>
-                        <a:t>CIFAR-10 Model </a:t>
+                        <a:t>Model </a:t>
+                      </a:r>
+                    </a:p>
+                  </a:txBody>
+                  <a:tcPr marL="38100" marR="38100" marT="38100" marB="38100" anchor="ctr"/>
+                </a:tc>
+                <a:tc>
+                  <a:txBody>
+                    <a:bodyPr/>
+                    <a:lstStyle/>
+                    <a:p>
+                      <a:pPr algn="ctr"/>
+                      <a:r>
+                        <a:rPr lang="en-US">
+                          <a:effectLst/>
+                        </a:rPr>
+                        <a:t>Accuracy </a:t>
                       </a:r>
                     </a:p>
                   </a:txBody>
@@ -13951,22 +14611,6 @@
                         <a:rPr lang="en-US" dirty="0">
                           <a:effectLst/>
                         </a:rPr>
-                        <a:t>Accuracy </a:t>
-                      </a:r>
-                    </a:p>
-                  </a:txBody>
-                  <a:tcPr marL="38100" marR="38100" marT="38100" marB="38100" anchor="ctr"/>
-                </a:tc>
-                <a:tc>
-                  <a:txBody>
-                    <a:bodyPr/>
-                    <a:lstStyle/>
-                    <a:p>
-                      <a:pPr algn="ctr"/>
-                      <a:r>
-                        <a:rPr lang="en-US">
-                          <a:effectLst/>
-                        </a:rPr>
                         <a:t>F1 Score</a:t>
                       </a:r>
                     </a:p>
@@ -13980,7 +14624,7 @@
                     <a:p>
                       <a:pPr algn="ctr"/>
                       <a:r>
-                        <a:rPr lang="en-US">
+                        <a:rPr lang="en-US" dirty="0">
                           <a:effectLst/>
                         </a:rPr>
                         <a:t>Predict time</a:t>
@@ -14019,11 +14663,10 @@
                     <a:p>
                       <a:pPr algn="ctr"/>
                       <a:r>
-                        <a:rPr lang="en-US" dirty="0">
-                          <a:effectLst/>
-                        </a:rPr>
+                        <a:rPr lang="en-US" sz="1800" dirty="0"/>
                         <a:t>CNN Autoencoder</a:t>
                       </a:r>
+                      <a:endParaRPr lang="ru-RU" sz="1800" dirty="0"/>
                     </a:p>
                   </a:txBody>
                   <a:tcPr marL="38100" marR="38100" marT="38100" marB="38100" anchor="ctr"/>
@@ -14035,10 +14678,16 @@
                     <a:p>
                       <a:pPr algn="ctr"/>
                       <a:r>
-                        <a:rPr lang="en-US" dirty="0">
+                        <a:rPr lang="ru-RU" sz="1800" b="0" i="0" kern="1200" dirty="0">
+                          <a:solidFill>
+                            <a:schemeClr val="dk1"/>
+                          </a:solidFill>
                           <a:effectLst/>
+                          <a:latin typeface="+mn-lt"/>
+                          <a:ea typeface="+mn-ea"/>
+                          <a:cs typeface="+mn-cs"/>
                         </a:rPr>
-                        <a:t>0.4514</a:t>
+                        <a:t>0.451</a:t>
                       </a:r>
                       <a:endParaRPr lang="ru-RU" dirty="0">
                         <a:effectLst/>
@@ -14054,11 +14703,32 @@
                     <a:p>
                       <a:pPr algn="ctr"/>
                       <a:r>
-                        <a:rPr lang="en-US" dirty="0">
+                        <a:rPr lang="en-US" sz="1800" b="0" i="0" kern="1200" dirty="0">
+                          <a:solidFill>
+                            <a:schemeClr val="dk1"/>
+                          </a:solidFill>
                           <a:effectLst/>
+                          <a:latin typeface="+mn-lt"/>
+                          <a:ea typeface="+mn-ea"/>
+                          <a:cs typeface="+mn-cs"/>
                         </a:rPr>
-                        <a:t>0.4177</a:t>
+                        <a:t>0</a:t>
                       </a:r>
+                      <a:r>
+                        <a:rPr lang="ru-RU" sz="1800" b="0" i="0" kern="1200" dirty="0">
+                          <a:solidFill>
+                            <a:schemeClr val="dk1"/>
+                          </a:solidFill>
+                          <a:effectLst/>
+                          <a:latin typeface="+mn-lt"/>
+                          <a:ea typeface="+mn-ea"/>
+                          <a:cs typeface="+mn-cs"/>
+                        </a:rPr>
+                        <a:t>.417</a:t>
+                      </a:r>
+                      <a:endParaRPr lang="ru-RU" dirty="0">
+                        <a:effectLst/>
+                      </a:endParaRPr>
                     </a:p>
                   </a:txBody>
                   <a:tcPr marL="38100" marR="38100" marT="38100" marB="38100" anchor="ctr"/>
@@ -14070,11 +14740,20 @@
                     <a:p>
                       <a:pPr algn="ctr"/>
                       <a:r>
-                        <a:rPr lang="en-US" dirty="0">
+                        <a:rPr lang="en-US" sz="1800" b="0" i="0" kern="1200" dirty="0">
+                          <a:solidFill>
+                            <a:schemeClr val="dk1"/>
+                          </a:solidFill>
                           <a:effectLst/>
+                          <a:latin typeface="+mn-lt"/>
+                          <a:ea typeface="+mn-ea"/>
+                          <a:cs typeface="+mn-cs"/>
                         </a:rPr>
                         <a:t>5 sec</a:t>
                       </a:r>
+                      <a:endParaRPr lang="en-US" dirty="0">
+                        <a:effectLst/>
+                      </a:endParaRPr>
                     </a:p>
                   </a:txBody>
                   <a:tcPr marL="38100" marR="38100" marT="38100" marB="38100" anchor="ctr"/>
@@ -14109,11 +14788,22 @@
                     <a:p>
                       <a:pPr algn="ctr"/>
                       <a:r>
-                        <a:rPr lang="en-US" dirty="0">
-                          <a:effectLst/>
+                        <a:rPr lang="en-US" sz="1800" dirty="0"/>
+                        <a:t>Bidirectional</a:t>
+                      </a:r>
+                      <a:r>
+                        <a:rPr lang="en-US" sz="1800" dirty="0">
+                          <a:solidFill>
+                            <a:schemeClr val="dk1"/>
+                          </a:solidFill>
                         </a:rPr>
-                        <a:t>Bi-directional GAN</a:t>
+                        <a:t> </a:t>
                       </a:r>
+                      <a:r>
+                        <a:rPr lang="en-US" sz="1800" dirty="0"/>
+                        <a:t>GAN</a:t>
+                      </a:r>
+                      <a:endParaRPr lang="ru-RU" sz="1800" dirty="0"/>
                     </a:p>
                   </a:txBody>
                   <a:tcPr marL="38100" marR="38100" marT="38100" marB="38100" anchor="ctr"/>
@@ -14123,7 +14813,19 @@
                     <a:bodyPr/>
                     <a:lstStyle/>
                     <a:p>
-                      <a:pPr marL="0" algn="ctr" defTabSz="914400" rtl="0" eaLnBrk="1" latinLnBrk="0" hangingPunct="1"/>
+                      <a:pPr algn="ctr"/>
+                      <a:r>
+                        <a:rPr lang="en-US" sz="1800" kern="1200" dirty="0">
+                          <a:solidFill>
+                            <a:schemeClr val="dk1"/>
+                          </a:solidFill>
+                          <a:effectLst/>
+                          <a:latin typeface="+mn-lt"/>
+                          <a:ea typeface="+mn-ea"/>
+                          <a:cs typeface="+mn-cs"/>
+                        </a:rPr>
+                        <a:t>0.634</a:t>
+                      </a:r>
                       <a:endParaRPr lang="ru-RU" sz="1800" kern="1200" dirty="0">
                         <a:solidFill>
                           <a:schemeClr val="dk1"/>
@@ -14142,7 +14844,19 @@
                     <a:bodyPr/>
                     <a:lstStyle/>
                     <a:p>
-                      <a:pPr marL="0" algn="ctr" defTabSz="914400" rtl="0" eaLnBrk="1" latinLnBrk="0" hangingPunct="1"/>
+                      <a:pPr algn="ctr"/>
+                      <a:r>
+                        <a:rPr lang="en-US" sz="1800" kern="1200" dirty="0">
+                          <a:solidFill>
+                            <a:schemeClr val="dk1"/>
+                          </a:solidFill>
+                          <a:effectLst/>
+                          <a:latin typeface="+mn-lt"/>
+                          <a:ea typeface="+mn-ea"/>
+                          <a:cs typeface="+mn-cs"/>
+                        </a:rPr>
+                        <a:t>0.7536</a:t>
+                      </a:r>
                       <a:endParaRPr lang="ru-RU" sz="1800" kern="1200" dirty="0">
                         <a:solidFill>
                           <a:schemeClr val="dk1"/>
@@ -14161,7 +14875,19 @@
                     <a:bodyPr/>
                     <a:lstStyle/>
                     <a:p>
-                      <a:pPr marL="0" algn="ctr" defTabSz="914400" rtl="0" eaLnBrk="1" latinLnBrk="0" hangingPunct="1"/>
+                      <a:pPr algn="ctr"/>
+                      <a:r>
+                        <a:rPr lang="en-US" sz="1800" kern="1200" dirty="0">
+                          <a:solidFill>
+                            <a:schemeClr val="dk1"/>
+                          </a:solidFill>
+                          <a:effectLst/>
+                          <a:latin typeface="+mn-lt"/>
+                          <a:ea typeface="+mn-ea"/>
+                          <a:cs typeface="+mn-cs"/>
+                        </a:rPr>
+                        <a:t>24 sec</a:t>
+                      </a:r>
                       <a:endParaRPr lang="ru-RU" sz="1800" kern="1200" dirty="0">
                         <a:solidFill>
                           <a:schemeClr val="dk1"/>
@@ -14180,7 +14906,19 @@
                     <a:bodyPr/>
                     <a:lstStyle/>
                     <a:p>
-                      <a:pPr marL="0" algn="ctr" defTabSz="914400" rtl="0" eaLnBrk="1" latinLnBrk="0" hangingPunct="1"/>
+                      <a:pPr algn="ctr"/>
+                      <a:r>
+                        <a:rPr lang="en-US" sz="1800" kern="1200" dirty="0">
+                          <a:solidFill>
+                            <a:schemeClr val="dk1"/>
+                          </a:solidFill>
+                          <a:effectLst/>
+                          <a:latin typeface="+mn-lt"/>
+                          <a:ea typeface="+mn-ea"/>
+                          <a:cs typeface="+mn-cs"/>
+                        </a:rPr>
+                        <a:t>4 min</a:t>
+                      </a:r>
                       <a:endParaRPr lang="ru-RU" sz="1800" kern="1200" dirty="0">
                         <a:solidFill>
                           <a:schemeClr val="dk1"/>
@@ -14204,97 +14942,53 @@
           </a:graphicData>
         </a:graphic>
       </p:graphicFrame>
-    </p:spTree>
-    <p:extLst>
-      <p:ext uri="{BB962C8B-B14F-4D97-AF65-F5344CB8AC3E}">
-        <p14:creationId xmlns:p14="http://schemas.microsoft.com/office/powerpoint/2010/main" val="507751498"/>
-      </p:ext>
-    </p:extLst>
-  </p:cSld>
-  <p:clrMapOvr>
-    <a:masterClrMapping/>
-  </p:clrMapOvr>
-</p:sld>
-</file>
-
-<file path=ppt/slides/slide8.xml><?xml version="1.0" encoding="utf-8"?>
-<p:sld xmlns:a="http://schemas.openxmlformats.org/drawingml/2006/main" xmlns:r="http://schemas.openxmlformats.org/officeDocument/2006/relationships" xmlns:p="http://schemas.openxmlformats.org/presentationml/2006/main">
-  <p:cSld>
-    <p:spTree>
-      <p:nvGrpSpPr>
-        <p:cNvPr id="1" name=""/>
-        <p:cNvGrpSpPr/>
-        <p:nvPr/>
-      </p:nvGrpSpPr>
-      <p:grpSpPr>
-        <a:xfrm>
-          <a:off x="0" y="0"/>
-          <a:ext cx="0" cy="0"/>
-          <a:chOff x="0" y="0"/>
-          <a:chExt cx="0" cy="0"/>
-        </a:xfrm>
-      </p:grpSpPr>
-      <p:sp>
-        <p:nvSpPr>
-          <p:cNvPr id="2" name="Title 1"/>
-          <p:cNvSpPr>
-            <a:spLocks noGrp="1"/>
-          </p:cNvSpPr>
-          <p:nvPr>
-            <p:ph type="title"/>
-          </p:nvPr>
-        </p:nvSpPr>
-        <p:spPr/>
-        <p:txBody>
-          <a:bodyPr/>
+      <p:sp>
+        <p:nvSpPr>
+          <p:cNvPr id="12" name="TextBox 11">
+            <a:extLst>
+              <a:ext uri="{FF2B5EF4-FFF2-40B4-BE49-F238E27FC236}">
+                <a16:creationId xmlns:a16="http://schemas.microsoft.com/office/drawing/2014/main" id="{94721641-6334-4F4F-B559-2E0466D3DAE9}"/>
+              </a:ext>
+            </a:extLst>
+          </p:cNvPr>
+          <p:cNvSpPr txBox="1"/>
+          <p:nvPr/>
+        </p:nvSpPr>
+        <p:spPr>
+          <a:xfrm>
+            <a:off x="680321" y="4947866"/>
+            <a:ext cx="3781168" cy="646331"/>
+          </a:xfrm>
+          <a:prstGeom prst="rect">
+            <a:avLst/>
+          </a:prstGeom>
+          <a:noFill/>
+        </p:spPr>
+        <p:txBody>
+          <a:bodyPr wrap="square" rtlCol="0">
+            <a:spAutoFit/>
+          </a:bodyPr>
           <a:lstStyle/>
           <a:p>
+            <a:pPr marL="285750" indent="-285750">
+              <a:buFont typeface="Arial" panose="020B0604020202020204" pitchFamily="34" charset="0"/>
+              <a:buChar char="•"/>
+            </a:pPr>
             <a:r>
               <a:rPr lang="en-US" dirty="0"/>
-              <a:t>Findings</a:t>
-            </a:r>
-          </a:p>
-        </p:txBody>
-      </p:sp>
-      <p:sp>
-        <p:nvSpPr>
-          <p:cNvPr id="3" name="Content Placeholder 2"/>
-          <p:cNvSpPr>
-            <a:spLocks noGrp="1"/>
-          </p:cNvSpPr>
-          <p:nvPr>
-            <p:ph idx="1"/>
-          </p:nvPr>
-        </p:nvSpPr>
-        <p:spPr/>
-        <p:txBody>
-          <a:bodyPr anchor="ctr"/>
-          <a:lstStyle/>
-          <a:p>
-            <a:endParaRPr lang="en-US" dirty="0"/>
-          </a:p>
-        </p:txBody>
-      </p:sp>
-      <p:sp>
-        <p:nvSpPr>
-          <p:cNvPr id="4" name="Slide Number Placeholder 3"/>
-          <p:cNvSpPr>
-            <a:spLocks noGrp="1"/>
-          </p:cNvSpPr>
-          <p:nvPr>
-            <p:ph type="sldNum" sz="quarter" idx="12"/>
-          </p:nvPr>
-        </p:nvSpPr>
-        <p:spPr/>
-        <p:txBody>
-          <a:bodyPr/>
-          <a:lstStyle/>
-          <a:p>
-            <a:fld id="{3CE2BE82-F690-0B4B-8193-E95039B06779}" type="slidenum">
-              <a:rPr lang="en-US" smtClean="0"/>
-              <a:t>8</a:t>
-            </a:fld>
-            <a:endParaRPr lang="en-US"/>
+              <a:t>Train samples : 5000</a:t>
+            </a:r>
+          </a:p>
+          <a:p>
+            <a:pPr marL="285750" indent="-285750">
+              <a:buFont typeface="Arial" panose="020B0604020202020204" pitchFamily="34" charset="0"/>
+              <a:buChar char="•"/>
+            </a:pPr>
+            <a:r>
+              <a:rPr lang="en-US" dirty="0"/>
+              <a:t>Test : 4000</a:t>
+            </a:r>
+            <a:endParaRPr lang="ru-RU" dirty="0"/>
           </a:p>
         </p:txBody>
       </p:sp>
@@ -14362,22 +15056,33 @@
         </p:nvSpPr>
         <p:spPr/>
         <p:txBody>
-          <a:bodyPr anchor="ctr"/>
+          <a:bodyPr anchor="ctr">
+            <a:normAutofit/>
+          </a:bodyPr>
           <a:lstStyle/>
           <a:p>
             <a:r>
-              <a:rPr lang="en-US" dirty="0"/>
+              <a:rPr lang="en-US" sz="2800" dirty="0"/>
               <a:t>Hyperparameters tuning CNN Autoencoder</a:t>
             </a:r>
           </a:p>
           <a:p>
             <a:r>
-              <a:rPr lang="en-US" dirty="0"/>
-              <a:t>Determining threshold  </a:t>
-            </a:r>
-          </a:p>
-          <a:p>
-            <a:endParaRPr lang="en-US" dirty="0"/>
+              <a:rPr lang="en-US" sz="2800" dirty="0"/>
+              <a:t>Determining threshold for classification</a:t>
+            </a:r>
+          </a:p>
+          <a:p>
+            <a:r>
+              <a:rPr lang="en-US" sz="2800" dirty="0"/>
+              <a:t>Bi-directional GAN implementation </a:t>
+            </a:r>
+          </a:p>
+          <a:p>
+            <a:r>
+              <a:rPr lang="en-US" sz="2800" dirty="0"/>
+              <a:t>One-Class Neural Network implementation</a:t>
+            </a:r>
           </a:p>
         </p:txBody>
       </p:sp>
